--- a/spring13/slides13/geometric-sums.pptx
+++ b/spring13/slides13/geometric-sums.pptx
@@ -4834,7 +4834,7 @@
           <a:graphicData uri="http://schemas.openxmlformats.org/presentationml/2006/ole">
             <mc:AlternateContent xmlns:mc="http://schemas.openxmlformats.org/markup-compatibility/2006">
               <mc:Choice xmlns:v="urn:schemas-microsoft-com:vml" Requires="v">
-                <p:oleObj spid="_x0000_s119848" name="Equation" r:id="rId4" imgW="761760" imgH="495000" progId="Equation.DSMT4">
+                <p:oleObj spid="_x0000_s119850" name="Equation" r:id="rId4" imgW="761760" imgH="495000" progId="Equation.DSMT4">
                   <p:embed/>
                 </p:oleObj>
               </mc:Choice>
@@ -5153,9 +5153,18 @@
   <p:clrMapOvr>
     <a:masterClrMapping/>
   </p:clrMapOvr>
-  <p:transition xmlns:p14="http://schemas.microsoft.com/office/powerpoint/2010/main" spd="slow" advClick="0">
-    <p:fade thruBlk="1"/>
-  </p:transition>
+  <mc:AlternateContent xmlns:mc="http://schemas.openxmlformats.org/markup-compatibility/2006">
+    <mc:Choice xmlns:p14="http://schemas.microsoft.com/office/powerpoint/2010/main" Requires="p14">
+      <p:transition spd="slow" p14:dur="1200" advClick="0">
+        <p:fade thruBlk="1"/>
+      </p:transition>
+    </mc:Choice>
+    <mc:Fallback>
+      <p:transition xmlns:p14="http://schemas.microsoft.com/office/powerpoint/2010/main" spd="slow" advClick="0">
+        <p:fade thruBlk="1"/>
+      </p:transition>
+    </mc:Fallback>
+  </mc:AlternateContent>
   <p:timing>
     <p:tnLst>
       <p:par>
@@ -8406,7 +8415,7 @@
 </file>
 
 <file path=ppt/slides/slide18.xml><?xml version="1.0" encoding="utf-8"?>
-<p:sld xmlns:a="http://schemas.openxmlformats.org/drawingml/2006/main" xmlns:r="http://schemas.openxmlformats.org/officeDocument/2006/relationships" xmlns:p="http://schemas.openxmlformats.org/presentationml/2006/main">
+<p:sld xmlns:a="http://schemas.openxmlformats.org/drawingml/2006/main" xmlns:r="http://schemas.openxmlformats.org/officeDocument/2006/relationships" xmlns:p="http://schemas.openxmlformats.org/presentationml/2006/main" show="0">
   <p:cSld>
     <p:spTree>
       <p:nvGrpSpPr>
@@ -8522,7 +8531,7 @@
           <a:graphicData uri="http://schemas.openxmlformats.org/presentationml/2006/ole">
             <mc:AlternateContent xmlns:mc="http://schemas.openxmlformats.org/markup-compatibility/2006">
               <mc:Choice xmlns:v="urn:schemas-microsoft-com:vml" Requires="v">
-                <p:oleObj spid="_x0000_s122952" name="Equation" r:id="rId4" imgW="1803240" imgH="482400" progId="Equation.DSMT4">
+                <p:oleObj spid="_x0000_s122955" name="Equation" r:id="rId4" imgW="1803240" imgH="482400" progId="Equation.DSMT4">
                   <p:embed/>
                 </p:oleObj>
               </mc:Choice>
@@ -8617,7 +8626,7 @@
           <a:graphicData uri="http://schemas.openxmlformats.org/presentationml/2006/ole">
             <mc:AlternateContent xmlns:mc="http://schemas.openxmlformats.org/markup-compatibility/2006">
               <mc:Choice xmlns:v="urn:schemas-microsoft-com:vml" Requires="v">
-                <p:oleObj spid="_x0000_s122953" name="Equation" r:id="rId6" imgW="2145960" imgH="482400" progId="Equation.DSMT4">
+                <p:oleObj spid="_x0000_s122956" name="Equation" r:id="rId6" imgW="2145960" imgH="482400" progId="Equation.DSMT4">
                   <p:embed/>
                 </p:oleObj>
               </mc:Choice>
@@ -8701,13 +8710,13 @@
   <p:clrMapOvr>
     <a:masterClrMapping/>
   </p:clrMapOvr>
-  <mc:AlternateContent xmlns:mc="http://schemas.openxmlformats.org/markup-compatibility/2006" xmlns:p14="http://schemas.microsoft.com/office/powerpoint/2010/main">
-    <mc:Choice Requires="p14">
+  <mc:AlternateContent xmlns:mc="http://schemas.openxmlformats.org/markup-compatibility/2006">
+    <mc:Choice xmlns:p14="http://schemas.microsoft.com/office/powerpoint/2010/main" Requires="p14">
       <p:transition spd="med" p14:dur="700" advClick="0">
         <p:fade/>
       </p:transition>
     </mc:Choice>
-    <mc:Fallback xmlns="">
+    <mc:Fallback>
       <p:transition xmlns:p14="http://schemas.microsoft.com/office/powerpoint/2010/main" spd="med" advClick="0">
         <p:fade/>
       </p:transition>
@@ -8853,7 +8862,7 @@
 </file>
 
 <file path=ppt/slides/slide19.xml><?xml version="1.0" encoding="utf-8"?>
-<p:sld xmlns:a="http://schemas.openxmlformats.org/drawingml/2006/main" xmlns:r="http://schemas.openxmlformats.org/officeDocument/2006/relationships" xmlns:p="http://schemas.openxmlformats.org/presentationml/2006/main">
+<p:sld xmlns:a="http://schemas.openxmlformats.org/drawingml/2006/main" xmlns:r="http://schemas.openxmlformats.org/officeDocument/2006/relationships" xmlns:p="http://schemas.openxmlformats.org/presentationml/2006/main" show="0">
   <p:cSld>
     <p:spTree>
       <p:nvGrpSpPr>
@@ -8907,7 +8916,7 @@
           <a:graphicData uri="http://schemas.openxmlformats.org/presentationml/2006/ole">
             <mc:AlternateContent xmlns:mc="http://schemas.openxmlformats.org/markup-compatibility/2006">
               <mc:Choice xmlns:v="urn:schemas-microsoft-com:vml" Requires="v">
-                <p:oleObj spid="_x0000_s128055" name="Equation" r:id="rId4" imgW="1765080" imgH="444240" progId="Equation.DSMT4">
+                <p:oleObj spid="_x0000_s128057" name="Equation" r:id="rId4" imgW="1765080" imgH="444240" progId="Equation.DSMT4">
                   <p:embed/>
                 </p:oleObj>
               </mc:Choice>
@@ -8991,13 +9000,13 @@
   <p:clrMapOvr>
     <a:masterClrMapping/>
   </p:clrMapOvr>
-  <mc:AlternateContent xmlns:mc="http://schemas.openxmlformats.org/markup-compatibility/2006" xmlns:p14="http://schemas.microsoft.com/office/powerpoint/2010/main">
-    <mc:Choice Requires="p14">
+  <mc:AlternateContent xmlns:mc="http://schemas.openxmlformats.org/markup-compatibility/2006">
+    <mc:Choice xmlns:p14="http://schemas.microsoft.com/office/powerpoint/2010/main" Requires="p14">
       <p:transition spd="med" p14:dur="700" advClick="0">
         <p:fade/>
       </p:transition>
     </mc:Choice>
-    <mc:Fallback xmlns="">
+    <mc:Fallback>
       <p:transition xmlns:p14="http://schemas.microsoft.com/office/powerpoint/2010/main" spd="med" advClick="0">
         <p:fade/>
       </p:transition>
@@ -9046,9 +9055,14 @@
           <a:lstStyle/>
           <a:p>
             <a:r>
-              <a:rPr lang="en-US"/>
-              <a:t>Geometric Series</a:t>
-            </a:r>
+              <a:rPr lang="en-US" dirty="0"/>
+              <a:t>Geometric </a:t>
+            </a:r>
+            <a:r>
+              <a:rPr lang="en-US" dirty="0" smtClean="0"/>
+              <a:t>Sum</a:t>
+            </a:r>
+            <a:endParaRPr lang="en-US" dirty="0"/>
           </a:p>
         </p:txBody>
       </p:sp>
@@ -9074,7 +9088,7 @@
           <a:graphicData uri="http://schemas.openxmlformats.org/presentationml/2006/ole">
             <mc:AlternateContent xmlns:mc="http://schemas.openxmlformats.org/markup-compatibility/2006">
               <mc:Choice xmlns:v="urn:schemas-microsoft-com:vml" Requires="v">
-                <p:oleObj spid="_x0000_s27720" name="Equation" r:id="rId4" imgW="1549400" imgH="292100" progId="Equation.DSMT4">
+                <p:oleObj spid="_x0000_s27723" name="Equation" r:id="rId4" imgW="1549400" imgH="292100" progId="Equation.DSMT4">
                   <p:embed/>
                 </p:oleObj>
               </mc:Choice>
@@ -9140,7 +9154,7 @@
           <a:graphicData uri="http://schemas.openxmlformats.org/presentationml/2006/ole">
             <mc:AlternateContent xmlns:mc="http://schemas.openxmlformats.org/markup-compatibility/2006">
               <mc:Choice xmlns:v="urn:schemas-microsoft-com:vml" Requires="v">
-                <p:oleObj spid="_x0000_s27721" name="Equation" r:id="rId6" imgW="1879600" imgH="292100" progId="Equation.DSMT4">
+                <p:oleObj spid="_x0000_s27724" name="Equation" r:id="rId6" imgW="1879600" imgH="292100" progId="Equation.DSMT4">
                   <p:embed/>
                 </p:oleObj>
               </mc:Choice>
@@ -9311,9 +9325,14 @@
           <a:lstStyle/>
           <a:p>
             <a:r>
-              <a:rPr lang="en-US"/>
-              <a:t>Geometric Series</a:t>
-            </a:r>
+              <a:rPr lang="en-US" dirty="0"/>
+              <a:t>Geometric </a:t>
+            </a:r>
+            <a:r>
+              <a:rPr lang="en-US" dirty="0" smtClean="0"/>
+              <a:t>Sum</a:t>
+            </a:r>
+            <a:endParaRPr lang="en-US" dirty="0"/>
           </a:p>
         </p:txBody>
       </p:sp>
@@ -9339,7 +9358,7 @@
           <a:graphicData uri="http://schemas.openxmlformats.org/presentationml/2006/ole">
             <mc:AlternateContent xmlns:mc="http://schemas.openxmlformats.org/markup-compatibility/2006">
               <mc:Choice xmlns:v="urn:schemas-microsoft-com:vml" Requires="v">
-                <p:oleObj spid="_x0000_s1065" name="Equation" r:id="rId4" imgW="1549400" imgH="292100" progId="Equation.DSMT4">
+                <p:oleObj spid="_x0000_s1068" name="Equation" r:id="rId4" imgW="1549400" imgH="292100" progId="Equation.DSMT4">
                   <p:embed/>
                 </p:oleObj>
               </mc:Choice>
@@ -9405,7 +9424,7 @@
           <a:graphicData uri="http://schemas.openxmlformats.org/presentationml/2006/ole">
             <mc:AlternateContent xmlns:mc="http://schemas.openxmlformats.org/markup-compatibility/2006">
               <mc:Choice xmlns:v="urn:schemas-microsoft-com:vml" Requires="v">
-                <p:oleObj spid="_x0000_s1066" name="Equation" r:id="rId6" imgW="1955800" imgH="292100" progId="Equation.DSMT4">
+                <p:oleObj spid="_x0000_s1069" name="Equation" r:id="rId6" imgW="1955800" imgH="292100" progId="Equation.DSMT4">
                   <p:embed/>
                 </p:oleObj>
               </mc:Choice>
@@ -9459,7 +9478,7 @@
   <p:clrMapOvr>
     <a:masterClrMapping/>
   </p:clrMapOvr>
-  <p:transition xmlns:p14="http://schemas.microsoft.com/office/powerpoint/2010/main" advClick="0" advTm="400">
+  <p:transition xmlns:p14="http://schemas.microsoft.com/office/powerpoint/2010/main" advClick="0">
     <p:strips dir="rd"/>
   </p:transition>
   <p:timing>
@@ -9505,9 +9524,14 @@
           <a:lstStyle/>
           <a:p>
             <a:r>
-              <a:rPr lang="en-US"/>
-              <a:t>Geometric Series</a:t>
-            </a:r>
+              <a:rPr lang="en-US" dirty="0"/>
+              <a:t>Geometric </a:t>
+            </a:r>
+            <a:r>
+              <a:rPr lang="en-US" dirty="0" smtClean="0"/>
+              <a:t>Sum</a:t>
+            </a:r>
+            <a:endParaRPr lang="en-US" dirty="0"/>
           </a:p>
         </p:txBody>
       </p:sp>
@@ -9533,7 +9557,7 @@
           <a:graphicData uri="http://schemas.openxmlformats.org/presentationml/2006/ole">
             <mc:AlternateContent xmlns:mc="http://schemas.openxmlformats.org/markup-compatibility/2006">
               <mc:Choice xmlns:v="urn:schemas-microsoft-com:vml" Requires="v">
-                <p:oleObj spid="_x0000_s135213" name="Equation" r:id="rId4" imgW="1549400" imgH="292100" progId="Equation.DSMT4">
+                <p:oleObj spid="_x0000_s135216" name="Equation" r:id="rId4" imgW="1549400" imgH="292100" progId="Equation.DSMT4">
                   <p:embed/>
                 </p:oleObj>
               </mc:Choice>
@@ -9599,7 +9623,7 @@
           <a:graphicData uri="http://schemas.openxmlformats.org/presentationml/2006/ole">
             <mc:AlternateContent xmlns:mc="http://schemas.openxmlformats.org/markup-compatibility/2006">
               <mc:Choice xmlns:v="urn:schemas-microsoft-com:vml" Requires="v">
-                <p:oleObj spid="_x0000_s135214" name="Equation" r:id="rId6" imgW="2032000" imgH="292100" progId="Equation.DSMT4">
+                <p:oleObj spid="_x0000_s135217" name="Equation" r:id="rId6" imgW="2032000" imgH="292100" progId="Equation.DSMT4">
                   <p:embed/>
                 </p:oleObj>
               </mc:Choice>
@@ -9827,14 +9851,14 @@
   <p:clrMapOvr>
     <a:masterClrMapping/>
   </p:clrMapOvr>
-  <mc:AlternateContent xmlns:mc="http://schemas.openxmlformats.org/markup-compatibility/2006" xmlns:p14="http://schemas.microsoft.com/office/powerpoint/2010/main">
-    <mc:Choice Requires="p14">
-      <p:transition spd="med" p14:dur="700" advTm="1000">
+  <mc:AlternateContent xmlns:mc="http://schemas.openxmlformats.org/markup-compatibility/2006">
+    <mc:Choice xmlns:p14="http://schemas.microsoft.com/office/powerpoint/2010/main" Requires="p14">
+      <p:transition spd="med" p14:dur="700" advClick="0">
         <p:fade/>
       </p:transition>
     </mc:Choice>
-    <mc:Fallback xmlns="">
-      <p:transition xmlns:p14="http://schemas.microsoft.com/office/powerpoint/2010/main" spd="med" advTm="1000">
+    <mc:Fallback>
+      <p:transition xmlns:p14="http://schemas.microsoft.com/office/powerpoint/2010/main" spd="med" advClick="0">
         <p:fade/>
       </p:transition>
     </mc:Fallback>
@@ -9961,9 +9985,14 @@
           <a:lstStyle/>
           <a:p>
             <a:r>
-              <a:rPr lang="en-US"/>
-              <a:t>Geometric Series</a:t>
-            </a:r>
+              <a:rPr lang="en-US" dirty="0"/>
+              <a:t>Geometric </a:t>
+            </a:r>
+            <a:r>
+              <a:rPr lang="en-US" dirty="0" smtClean="0"/>
+              <a:t>Sum</a:t>
+            </a:r>
+            <a:endParaRPr lang="en-US" dirty="0"/>
           </a:p>
         </p:txBody>
       </p:sp>
@@ -9989,7 +10018,7 @@
           <a:graphicData uri="http://schemas.openxmlformats.org/presentationml/2006/ole">
             <mc:AlternateContent xmlns:mc="http://schemas.openxmlformats.org/markup-compatibility/2006">
               <mc:Choice xmlns:v="urn:schemas-microsoft-com:vml" Requires="v">
-                <p:oleObj spid="_x0000_s136232" name="Equation" r:id="rId4" imgW="1549400" imgH="292100" progId="Equation.DSMT4">
+                <p:oleObj spid="_x0000_s136235" name="Equation" r:id="rId4" imgW="1549400" imgH="292100" progId="Equation.DSMT4">
                   <p:embed/>
                 </p:oleObj>
               </mc:Choice>
@@ -10055,7 +10084,7 @@
           <a:graphicData uri="http://schemas.openxmlformats.org/presentationml/2006/ole">
             <mc:AlternateContent xmlns:mc="http://schemas.openxmlformats.org/markup-compatibility/2006">
               <mc:Choice xmlns:v="urn:schemas-microsoft-com:vml" Requires="v">
-                <p:oleObj spid="_x0000_s136233" name="Equation" r:id="rId6" imgW="2032000" imgH="292100" progId="Equation.DSMT4">
+                <p:oleObj spid="_x0000_s136236" name="Equation" r:id="rId6" imgW="2032000" imgH="292100" progId="Equation.DSMT4">
                   <p:embed/>
                 </p:oleObj>
               </mc:Choice>
@@ -10635,9 +10664,14 @@
           <a:lstStyle/>
           <a:p>
             <a:r>
-              <a:rPr lang="en-US"/>
-              <a:t>Geometric Series</a:t>
-            </a:r>
+              <a:rPr lang="en-US" dirty="0"/>
+              <a:t>Geometric </a:t>
+            </a:r>
+            <a:r>
+              <a:rPr lang="en-US" dirty="0" smtClean="0"/>
+              <a:t>Sum</a:t>
+            </a:r>
+            <a:endParaRPr lang="en-US" dirty="0"/>
           </a:p>
         </p:txBody>
       </p:sp>
@@ -10663,7 +10697,7 @@
           <a:graphicData uri="http://schemas.openxmlformats.org/presentationml/2006/ole">
             <mc:AlternateContent xmlns:mc="http://schemas.openxmlformats.org/markup-compatibility/2006">
               <mc:Choice xmlns:v="urn:schemas-microsoft-com:vml" Requires="v">
-                <p:oleObj spid="_x0000_s144400" name="Equation" r:id="rId4" imgW="762000" imgH="292100" progId="Equation.DSMT4">
+                <p:oleObj spid="_x0000_s144402" name="Equation" r:id="rId4" imgW="762000" imgH="292100" progId="Equation.DSMT4">
                   <p:embed/>
                 </p:oleObj>
               </mc:Choice>
@@ -10875,14 +10909,14 @@
   <p:clrMapOvr>
     <a:masterClrMapping/>
   </p:clrMapOvr>
-  <mc:AlternateContent xmlns:mc="http://schemas.openxmlformats.org/markup-compatibility/2006" xmlns:p14="http://schemas.microsoft.com/office/powerpoint/2010/main">
-    <mc:Choice Requires="p14">
-      <p:transition spd="med" p14:dur="700" advClick="0" advTm="1000">
+  <mc:AlternateContent xmlns:mc="http://schemas.openxmlformats.org/markup-compatibility/2006">
+    <mc:Choice xmlns:p14="http://schemas.microsoft.com/office/powerpoint/2010/main" Requires="p14">
+      <p:transition spd="med" p14:dur="700" advClick="0">
         <p:fade/>
       </p:transition>
     </mc:Choice>
-    <mc:Fallback xmlns="">
-      <p:transition xmlns:p14="http://schemas.microsoft.com/office/powerpoint/2010/main" spd="med" advClick="0" advTm="1000">
+    <mc:Fallback>
+      <p:transition xmlns:p14="http://schemas.microsoft.com/office/powerpoint/2010/main" spd="med" advClick="0">
         <p:fade/>
       </p:transition>
     </mc:Fallback>
@@ -11021,9 +11055,14 @@
           <a:lstStyle/>
           <a:p>
             <a:r>
-              <a:rPr lang="en-US"/>
-              <a:t>Geometric Series</a:t>
-            </a:r>
+              <a:rPr lang="en-US" dirty="0"/>
+              <a:t>Geometric </a:t>
+            </a:r>
+            <a:r>
+              <a:rPr lang="en-US" dirty="0" smtClean="0"/>
+              <a:t>sum</a:t>
+            </a:r>
+            <a:endParaRPr lang="en-US" dirty="0"/>
           </a:p>
         </p:txBody>
       </p:sp>
@@ -11049,7 +11088,7 @@
           <a:graphicData uri="http://schemas.openxmlformats.org/presentationml/2006/ole">
             <mc:AlternateContent xmlns:mc="http://schemas.openxmlformats.org/markup-compatibility/2006">
               <mc:Choice xmlns:v="urn:schemas-microsoft-com:vml" Requires="v">
-                <p:oleObj spid="_x0000_s143398" name="Equation" r:id="rId4" imgW="762000" imgH="292100" progId="Equation.DSMT4">
+                <p:oleObj spid="_x0000_s143402" name="Equation" r:id="rId4" imgW="762000" imgH="292100" progId="Equation.DSMT4">
                   <p:embed/>
                 </p:oleObj>
               </mc:Choice>
@@ -11227,7 +11266,7 @@
           <a:graphicData uri="http://schemas.openxmlformats.org/presentationml/2006/ole">
             <mc:AlternateContent xmlns:mc="http://schemas.openxmlformats.org/markup-compatibility/2006">
               <mc:Choice xmlns:v="urn:schemas-microsoft-com:vml" Requires="v">
-                <p:oleObj spid="_x0000_s143399" name="Equation" r:id="rId6" imgW="127000" imgH="190500" progId="Equation.DSMT4">
+                <p:oleObj spid="_x0000_s143403" name="Equation" r:id="rId6" imgW="127000" imgH="190500" progId="Equation.DSMT4">
                   <p:embed/>
                 </p:oleObj>
               </mc:Choice>
@@ -11349,7 +11388,7 @@
           <a:graphicData uri="http://schemas.openxmlformats.org/presentationml/2006/ole">
             <mc:AlternateContent xmlns:mc="http://schemas.openxmlformats.org/markup-compatibility/2006">
               <mc:Choice xmlns:v="urn:schemas-microsoft-com:vml" Requires="v">
-                <p:oleObj spid="_x0000_s143400" name="Equation" r:id="rId8" imgW="901700" imgH="469900" progId="Equation.DSMT4">
+                <p:oleObj spid="_x0000_s143404" name="Equation" r:id="rId8" imgW="901700" imgH="469900" progId="Equation.DSMT4">
                   <p:embed/>
                 </p:oleObj>
               </mc:Choice>
@@ -11687,7 +11726,7 @@
           <a:graphicData uri="http://schemas.openxmlformats.org/presentationml/2006/ole">
             <mc:AlternateContent xmlns:mc="http://schemas.openxmlformats.org/markup-compatibility/2006">
               <mc:Choice xmlns:v="urn:schemas-microsoft-com:vml" Requires="v">
-                <p:oleObj spid="_x0000_s114763" name="Equation" r:id="rId4" imgW="2184400" imgH="520700" progId="Equation.DSMT4">
+                <p:oleObj spid="_x0000_s114766" name="Equation" r:id="rId4" imgW="2184400" imgH="520700" progId="Equation.DSMT4">
                   <p:embed/>
                 </p:oleObj>
               </mc:Choice>
@@ -11867,7 +11906,7 @@
           <a:graphicData uri="http://schemas.openxmlformats.org/presentationml/2006/ole">
             <mc:AlternateContent xmlns:mc="http://schemas.openxmlformats.org/markup-compatibility/2006">
               <mc:Choice xmlns:v="urn:schemas-microsoft-com:vml" Requires="v">
-                <p:oleObj spid="_x0000_s114764" name="Equation" r:id="rId6" imgW="939600" imgH="457200" progId="Equation.DSMT4">
+                <p:oleObj spid="_x0000_s114767" name="Equation" r:id="rId6" imgW="939600" imgH="457200" progId="Equation.DSMT4">
                   <p:embed/>
                 </p:oleObj>
               </mc:Choice>
@@ -12156,7 +12195,7 @@
           <a:graphicData uri="http://schemas.openxmlformats.org/presentationml/2006/ole">
             <mc:AlternateContent xmlns:mc="http://schemas.openxmlformats.org/markup-compatibility/2006">
               <mc:Choice xmlns:v="urn:schemas-microsoft-com:vml" Requires="v">
-                <p:oleObj spid="_x0000_s118853" name="Equation" r:id="rId4" imgW="1955520" imgH="457200" progId="Equation.DSMT4">
+                <p:oleObj spid="_x0000_s118856" name="Equation" r:id="rId4" imgW="1955520" imgH="457200" progId="Equation.DSMT4">
                   <p:embed/>
                 </p:oleObj>
               </mc:Choice>
@@ -12251,7 +12290,7 @@
           <a:graphicData uri="http://schemas.openxmlformats.org/presentationml/2006/ole">
             <mc:AlternateContent xmlns:mc="http://schemas.openxmlformats.org/markup-compatibility/2006">
               <mc:Choice xmlns:v="urn:schemas-microsoft-com:vml" Requires="v">
-                <p:oleObj spid="_x0000_s118854" name="Equation" r:id="rId6" imgW="939600" imgH="457200" progId="Equation.DSMT4">
+                <p:oleObj spid="_x0000_s118857" name="Equation" r:id="rId6" imgW="939600" imgH="457200" progId="Equation.DSMT4">
                   <p:embed/>
                 </p:oleObj>
               </mc:Choice>

--- a/spring13/slides13/geometric-sums.pptx
+++ b/spring13/slides13/geometric-sums.pptx
@@ -4834,7 +4834,7 @@
           <a:graphicData uri="http://schemas.openxmlformats.org/presentationml/2006/ole">
             <mc:AlternateContent xmlns:mc="http://schemas.openxmlformats.org/markup-compatibility/2006">
               <mc:Choice xmlns:v="urn:schemas-microsoft-com:vml" Requires="v">
-                <p:oleObj spid="_x0000_s119850" name="Equation" r:id="rId4" imgW="761760" imgH="495000" progId="Equation.DSMT4">
+                <p:oleObj spid="_x0000_s119854" name="Equation" r:id="rId4" imgW="761760" imgH="495000" progId="Equation.DSMT4">
                   <p:embed/>
                 </p:oleObj>
               </mc:Choice>
@@ -5153,13 +5153,13 @@
   <p:clrMapOvr>
     <a:masterClrMapping/>
   </p:clrMapOvr>
-  <mc:AlternateContent xmlns:mc="http://schemas.openxmlformats.org/markup-compatibility/2006">
-    <mc:Choice xmlns:p14="http://schemas.microsoft.com/office/powerpoint/2010/main" Requires="p14">
+  <mc:AlternateContent xmlns:mc="http://schemas.openxmlformats.org/markup-compatibility/2006" xmlns:p14="http://schemas.microsoft.com/office/powerpoint/2010/main">
+    <mc:Choice Requires="p14">
       <p:transition spd="slow" p14:dur="1200" advClick="0">
         <p:fade thruBlk="1"/>
       </p:transition>
     </mc:Choice>
-    <mc:Fallback>
+    <mc:Fallback xmlns="">
       <p:transition xmlns:p14="http://schemas.microsoft.com/office/powerpoint/2010/main" spd="slow" advClick="0">
         <p:fade thruBlk="1"/>
       </p:transition>
@@ -6650,15 +6650,33 @@
                                   </p:childTnLst>
                                 </p:cTn>
                               </p:par>
+                            </p:childTnLst>
+                          </p:cTn>
+                        </p:par>
+                      </p:childTnLst>
+                    </p:cTn>
+                  </p:par>
+                  <p:par>
+                    <p:cTn id="8" fill="hold">
+                      <p:stCondLst>
+                        <p:cond delay="indefinite"/>
+                      </p:stCondLst>
+                      <p:childTnLst>
+                        <p:par>
+                          <p:cTn id="9" fill="hold">
+                            <p:stCondLst>
+                              <p:cond delay="0"/>
+                            </p:stCondLst>
+                            <p:childTnLst>
                               <p:par>
-                                <p:cTn id="8" presetID="10" presetClass="entr" presetSubtype="0" fill="hold" nodeType="withEffect">
+                                <p:cTn id="10" presetID="10" presetClass="entr" presetSubtype="0" fill="hold" nodeType="clickEffect">
                                   <p:stCondLst>
                                     <p:cond delay="0"/>
                                   </p:stCondLst>
                                   <p:childTnLst>
                                     <p:set>
                                       <p:cBhvr>
-                                        <p:cTn id="9" dur="1" fill="hold">
+                                        <p:cTn id="11" dur="1" fill="hold">
                                           <p:stCondLst>
                                             <p:cond delay="0"/>
                                           </p:stCondLst>
@@ -6680,7 +6698,7 @@
                                     </p:set>
                                     <p:animEffect transition="in" filter="fade">
                                       <p:cBhvr>
-                                        <p:cTn id="10" dur="500"/>
+                                        <p:cTn id="12" dur="500"/>
                                         <p:tgtEl>
                                           <p:spTgt spid="20483">
                                             <p:txEl>
@@ -6700,26 +6718,26 @@
                     </p:cTn>
                   </p:par>
                   <p:par>
-                    <p:cTn id="11" fill="hold" nodeType="clickPar">
+                    <p:cTn id="13" fill="hold" nodeType="clickPar">
                       <p:stCondLst>
                         <p:cond delay="indefinite"/>
                       </p:stCondLst>
                       <p:childTnLst>
                         <p:par>
-                          <p:cTn id="12" fill="hold" nodeType="withGroup">
+                          <p:cTn id="14" fill="hold" nodeType="withGroup">
                             <p:stCondLst>
                               <p:cond delay="0"/>
                             </p:stCondLst>
                             <p:childTnLst>
                               <p:par>
-                                <p:cTn id="13" presetID="10" presetClass="entr" presetSubtype="0" fill="hold" nodeType="clickEffect">
+                                <p:cTn id="15" presetID="10" presetClass="entr" presetSubtype="0" fill="hold" nodeType="clickEffect">
                                   <p:stCondLst>
                                     <p:cond delay="0"/>
                                   </p:stCondLst>
                                   <p:childTnLst>
                                     <p:set>
                                       <p:cBhvr>
-                                        <p:cTn id="14" dur="1" fill="hold">
+                                        <p:cTn id="16" dur="1" fill="hold">
                                           <p:stCondLst>
                                             <p:cond delay="0"/>
                                           </p:stCondLst>
@@ -6741,7 +6759,7 @@
                                     </p:set>
                                     <p:animEffect transition="in" filter="fade">
                                       <p:cBhvr>
-                                        <p:cTn id="15" dur="500"/>
+                                        <p:cTn id="17" dur="500"/>
                                         <p:tgtEl>
                                           <p:spTgt spid="20483">
                                             <p:txEl>
@@ -6755,14 +6773,14 @@
                                 </p:cTn>
                               </p:par>
                               <p:par>
-                                <p:cTn id="16" presetID="10" presetClass="entr" presetSubtype="0" fill="hold" nodeType="withEffect">
+                                <p:cTn id="18" presetID="10" presetClass="entr" presetSubtype="0" fill="hold" nodeType="withEffect">
                                   <p:stCondLst>
                                     <p:cond delay="0"/>
                                   </p:stCondLst>
                                   <p:childTnLst>
                                     <p:set>
                                       <p:cBhvr>
-                                        <p:cTn id="17" dur="1" fill="hold">
+                                        <p:cTn id="19" dur="1" fill="hold">
                                           <p:stCondLst>
                                             <p:cond delay="0"/>
                                           </p:stCondLst>
@@ -6784,7 +6802,7 @@
                                     </p:set>
                                     <p:animEffect transition="in" filter="fade">
                                       <p:cBhvr>
-                                        <p:cTn id="18" dur="500"/>
+                                        <p:cTn id="20" dur="500"/>
                                         <p:tgtEl>
                                           <p:spTgt spid="20483">
                                             <p:txEl>
@@ -6798,14 +6816,14 @@
                                 </p:cTn>
                               </p:par>
                               <p:par>
-                                <p:cTn id="19" presetID="10" presetClass="entr" presetSubtype="0" fill="hold" nodeType="withEffect">
+                                <p:cTn id="21" presetID="10" presetClass="entr" presetSubtype="0" fill="hold" nodeType="withEffect">
                                   <p:stCondLst>
                                     <p:cond delay="0"/>
                                   </p:stCondLst>
                                   <p:childTnLst>
                                     <p:set>
                                       <p:cBhvr>
-                                        <p:cTn id="20" dur="1" fill="hold">
+                                        <p:cTn id="22" dur="1" fill="hold">
                                           <p:stCondLst>
                                             <p:cond delay="0"/>
                                           </p:stCondLst>
@@ -6827,7 +6845,7 @@
                                     </p:set>
                                     <p:animEffect transition="in" filter="fade">
                                       <p:cBhvr>
-                                        <p:cTn id="21" dur="500"/>
+                                        <p:cTn id="23" dur="500"/>
                                         <p:tgtEl>
                                           <p:spTgt spid="20483">
                                             <p:txEl>
@@ -7520,18 +7538,9 @@
   <p:clrMapOvr>
     <a:masterClrMapping/>
   </p:clrMapOvr>
-  <mc:AlternateContent xmlns:mc="http://schemas.openxmlformats.org/markup-compatibility/2006" xmlns:p14="http://schemas.microsoft.com/office/powerpoint/2010/main">
-    <mc:Choice Requires="p14">
-      <p:transition spd="med" p14:dur="700" advClick="0">
-        <p:fade/>
-      </p:transition>
-    </mc:Choice>
-    <mc:Fallback xmlns="">
-      <p:transition xmlns:p14="http://schemas.microsoft.com/office/powerpoint/2010/main" spd="med" advClick="0">
-        <p:fade/>
-      </p:transition>
-    </mc:Fallback>
-  </mc:AlternateContent>
+  <p:transition xmlns:p14="http://schemas.microsoft.com/office/powerpoint/2010/main" spd="slow" advClick="0">
+    <p:fade thruBlk="1"/>
+  </p:transition>
   <p:timing>
     <p:tnLst>
       <p:par>
@@ -7568,7 +7577,7 @@
                                         <p:tgtEl>
                                           <p:spTgt spid="25603">
                                             <p:txEl>
-                                              <p:pRg st="1" end="1"/>
+                                              <p:pRg st="0" end="0"/>
                                             </p:txEl>
                                           </p:spTgt>
                                         </p:tgtEl>
@@ -7586,7 +7595,7 @@
                                         <p:tgtEl>
                                           <p:spTgt spid="25603">
                                             <p:txEl>
-                                              <p:pRg st="1" end="1"/>
+                                              <p:pRg st="0" end="0"/>
                                             </p:txEl>
                                           </p:spTgt>
                                         </p:tgtEl>
@@ -7602,19 +7611,19 @@
                     </p:cTn>
                   </p:par>
                   <p:par>
-                    <p:cTn id="8" fill="hold" nodeType="clickPar">
+                    <p:cTn id="8" fill="hold">
                       <p:stCondLst>
                         <p:cond delay="indefinite"/>
                       </p:stCondLst>
                       <p:childTnLst>
                         <p:par>
-                          <p:cTn id="9" fill="hold" nodeType="withGroup">
+                          <p:cTn id="9" fill="hold">
                             <p:stCondLst>
                               <p:cond delay="0"/>
                             </p:stCondLst>
                             <p:childTnLst>
                               <p:par>
-                                <p:cTn id="10" presetID="10" presetClass="entr" presetSubtype="0" fill="hold" grpId="1" nodeType="clickEffect">
+                                <p:cTn id="10" presetID="10" presetClass="entr" presetSubtype="0" fill="hold" nodeType="clickEffect">
                                   <p:stCondLst>
                                     <p:cond delay="0"/>
                                   </p:stCondLst>
@@ -7629,7 +7638,7 @@
                                         <p:tgtEl>
                                           <p:spTgt spid="25603">
                                             <p:txEl>
-                                              <p:pRg st="2" end="2"/>
+                                              <p:pRg st="1" end="1"/>
                                             </p:txEl>
                                           </p:spTgt>
                                         </p:tgtEl>
@@ -7647,7 +7656,7 @@
                                         <p:tgtEl>
                                           <p:spTgt spid="25603">
                                             <p:txEl>
-                                              <p:pRg st="2" end="2"/>
+                                              <p:pRg st="1" end="1"/>
                                             </p:txEl>
                                           </p:spTgt>
                                         </p:tgtEl>
@@ -7675,7 +7684,7 @@
                             </p:stCondLst>
                             <p:childTnLst>
                               <p:par>
-                                <p:cTn id="15" presetID="22" presetClass="entr" presetSubtype="8" fill="hold" nodeType="clickEffect">
+                                <p:cTn id="15" presetID="10" presetClass="entr" presetSubtype="0" fill="hold" grpId="1" nodeType="clickEffect">
                                   <p:stCondLst>
                                     <p:cond delay="0"/>
                                   </p:stCondLst>
@@ -7690,7 +7699,7 @@
                                         <p:tgtEl>
                                           <p:spTgt spid="25603">
                                             <p:txEl>
-                                              <p:pRg st="3" end="3"/>
+                                              <p:pRg st="2" end="2"/>
                                             </p:txEl>
                                           </p:spTgt>
                                         </p:tgtEl>
@@ -7702,13 +7711,13 @@
                                         <p:strVal val="visible"/>
                                       </p:to>
                                     </p:set>
-                                    <p:animEffect transition="in" filter="wipe(left)">
+                                    <p:animEffect transition="in" filter="fade">
                                       <p:cBhvr>
-                                        <p:cTn id="17" dur="1000"/>
+                                        <p:cTn id="17" dur="500"/>
                                         <p:tgtEl>
                                           <p:spTgt spid="25603">
                                             <p:txEl>
-                                              <p:pRg st="3" end="3"/>
+                                              <p:pRg st="2" end="2"/>
                                             </p:txEl>
                                           </p:spTgt>
                                         </p:tgtEl>
@@ -7736,7 +7745,7 @@
                             </p:stCondLst>
                             <p:childTnLst>
                               <p:par>
-                                <p:cTn id="20" presetID="10" presetClass="entr" presetSubtype="0" fill="hold" nodeType="clickEffect">
+                                <p:cTn id="20" presetID="22" presetClass="entr" presetSubtype="8" fill="hold" nodeType="clickEffect">
                                   <p:stCondLst>
                                     <p:cond delay="0"/>
                                   </p:stCondLst>
@@ -7751,7 +7760,7 @@
                                         <p:tgtEl>
                                           <p:spTgt spid="25603">
                                             <p:txEl>
-                                              <p:pRg st="4" end="4"/>
+                                              <p:pRg st="3" end="3"/>
                                             </p:txEl>
                                           </p:spTgt>
                                         </p:tgtEl>
@@ -7763,13 +7772,13 @@
                                         <p:strVal val="visible"/>
                                       </p:to>
                                     </p:set>
-                                    <p:animEffect transition="in" filter="fade">
+                                    <p:animEffect transition="in" filter="wipe(left)">
                                       <p:cBhvr>
-                                        <p:cTn id="22" dur="500"/>
+                                        <p:cTn id="22" dur="1000"/>
                                         <p:tgtEl>
                                           <p:spTgt spid="25603">
                                             <p:txEl>
-                                              <p:pRg st="4" end="4"/>
+                                              <p:pRg st="3" end="3"/>
                                             </p:txEl>
                                           </p:spTgt>
                                         </p:tgtEl>
@@ -7812,6 +7821,67 @@
                                         <p:tgtEl>
                                           <p:spTgt spid="25603">
                                             <p:txEl>
+                                              <p:pRg st="4" end="4"/>
+                                            </p:txEl>
+                                          </p:spTgt>
+                                        </p:tgtEl>
+                                        <p:attrNameLst>
+                                          <p:attrName>style.visibility</p:attrName>
+                                        </p:attrNameLst>
+                                      </p:cBhvr>
+                                      <p:to>
+                                        <p:strVal val="visible"/>
+                                      </p:to>
+                                    </p:set>
+                                    <p:animEffect transition="in" filter="fade">
+                                      <p:cBhvr>
+                                        <p:cTn id="27" dur="500"/>
+                                        <p:tgtEl>
+                                          <p:spTgt spid="25603">
+                                            <p:txEl>
+                                              <p:pRg st="4" end="4"/>
+                                            </p:txEl>
+                                          </p:spTgt>
+                                        </p:tgtEl>
+                                      </p:cBhvr>
+                                    </p:animEffect>
+                                  </p:childTnLst>
+                                </p:cTn>
+                              </p:par>
+                            </p:childTnLst>
+                          </p:cTn>
+                        </p:par>
+                      </p:childTnLst>
+                    </p:cTn>
+                  </p:par>
+                  <p:par>
+                    <p:cTn id="28" fill="hold">
+                      <p:stCondLst>
+                        <p:cond delay="indefinite"/>
+                      </p:stCondLst>
+                      <p:childTnLst>
+                        <p:par>
+                          <p:cTn id="29" fill="hold">
+                            <p:stCondLst>
+                              <p:cond delay="0"/>
+                            </p:stCondLst>
+                            <p:childTnLst>
+                              <p:par>
+                                <p:cTn id="30" presetID="10" presetClass="entr" presetSubtype="0" fill="hold" nodeType="clickEffect">
+                                  <p:stCondLst>
+                                    <p:cond delay="0"/>
+                                  </p:stCondLst>
+                                  <p:childTnLst>
+                                    <p:set>
+                                      <p:cBhvr>
+                                        <p:cTn id="31" dur="1" fill="hold">
+                                          <p:stCondLst>
+                                            <p:cond delay="0"/>
+                                          </p:stCondLst>
+                                        </p:cTn>
+                                        <p:tgtEl>
+                                          <p:spTgt spid="25603">
+                                            <p:txEl>
                                               <p:pRg st="5" end="5"/>
                                             </p:txEl>
                                           </p:spTgt>
@@ -7826,7 +7896,7 @@
                                     </p:set>
                                     <p:animEffect transition="in" filter="fade">
                                       <p:cBhvr>
-                                        <p:cTn id="27" dur="500"/>
+                                        <p:cTn id="32" dur="500"/>
                                         <p:tgtEl>
                                           <p:spTgt spid="25603">
                                             <p:txEl>
@@ -7906,7 +7976,7 @@
           <a:lstStyle/>
           <a:p>
             <a:r>
-              <a:rPr lang="en-US"/>
+              <a:rPr lang="en-US" dirty="0"/>
               <a:t>Annuities</a:t>
             </a:r>
           </a:p>
@@ -7940,11 +8010,11 @@
               <a:buNone/>
             </a:pPr>
             <a:r>
-              <a:rPr lang="en-US" sz="4000"/>
+              <a:rPr lang="en-US" sz="4000" dirty="0"/>
               <a:t>I pay you </a:t>
             </a:r>
             <a:r>
-              <a:rPr lang="en-US" sz="4000">
+              <a:rPr lang="en-US" sz="4000" dirty="0">
                 <a:solidFill>
                   <a:srgbClr val="3333FF"/>
                 </a:solidFill>
@@ -7952,7 +8022,7 @@
               <a:t>$100/year</a:t>
             </a:r>
             <a:r>
-              <a:rPr lang="en-US" sz="4000">
+              <a:rPr lang="en-US" sz="4000" dirty="0">
                 <a:solidFill>
                   <a:srgbClr val="006600"/>
                 </a:solidFill>
@@ -7960,11 +8030,11 @@
               <a:t> </a:t>
             </a:r>
             <a:r>
-              <a:rPr lang="en-US" sz="4000"/>
+              <a:rPr lang="en-US" sz="4000" dirty="0"/>
               <a:t>for</a:t>
             </a:r>
             <a:r>
-              <a:rPr lang="en-US" sz="4000">
+              <a:rPr lang="en-US" sz="4000" dirty="0">
                 <a:solidFill>
                   <a:srgbClr val="006600"/>
                 </a:solidFill>
@@ -7981,11 +8051,11 @@
               <a:buNone/>
             </a:pPr>
             <a:r>
-              <a:rPr lang="en-US" sz="4000"/>
+              <a:rPr lang="en-US" sz="4000" dirty="0"/>
               <a:t>if you will pay me $</a:t>
             </a:r>
             <a:r>
-              <a:rPr lang="en-US" sz="4000">
+              <a:rPr lang="en-US" sz="4000" dirty="0">
                 <a:solidFill>
                   <a:srgbClr val="FF00FF"/>
                 </a:solidFill>
@@ -7993,7 +8063,7 @@
               <a:t>853.02</a:t>
             </a:r>
             <a:r>
-              <a:rPr lang="en-US" sz="4000"/>
+              <a:rPr lang="en-US" sz="4000" dirty="0"/>
               <a:t>.</a:t>
             </a:r>
           </a:p>
@@ -8006,16 +8076,24 @@
               <a:buNone/>
             </a:pPr>
             <a:r>
-              <a:rPr lang="en-US" sz="3600">
-                <a:solidFill>
-                  <a:srgbClr val="FF6600"/>
+              <a:rPr lang="en-US" sz="3600" dirty="0">
+                <a:solidFill>
+                  <a:srgbClr val="9D007C"/>
                 </a:solidFill>
               </a:rPr>
               <a:t>QUICKIE: </a:t>
             </a:r>
             <a:r>
-              <a:rPr lang="en-US" sz="3600"/>
-              <a:t>If bankrates unexpectedly </a:t>
+              <a:rPr lang="en-US" sz="3600" dirty="0"/>
+              <a:t>If </a:t>
+            </a:r>
+            <a:r>
+              <a:rPr lang="en-US" sz="3600" dirty="0" err="1"/>
+              <a:t>bankrates</a:t>
+            </a:r>
+            <a:r>
+              <a:rPr lang="en-US" sz="3600" dirty="0"/>
+              <a:t> unexpectedly </a:t>
             </a:r>
           </a:p>
           <a:p>
@@ -8027,8 +8105,16 @@
               <a:buNone/>
             </a:pPr>
             <a:r>
-              <a:rPr lang="en-US" sz="3600"/>
-              <a:t>increase in the next few years,</a:t>
+              <a:rPr lang="en-US" sz="3600" dirty="0">
+                <a:solidFill>
+                  <a:srgbClr val="9D007C"/>
+                </a:solidFill>
+              </a:rPr>
+              <a:t>increase</a:t>
+            </a:r>
+            <a:r>
+              <a:rPr lang="en-US" sz="3600" dirty="0"/>
+              <a:t> in the next few years,</a:t>
             </a:r>
           </a:p>
           <a:p>
@@ -8040,7 +8126,7 @@
               <a:buAutoNum type="alphaUcPeriod"/>
             </a:pPr>
             <a:r>
-              <a:rPr lang="en-US" sz="4000"/>
+              <a:rPr lang="en-US" sz="4000" dirty="0"/>
               <a:t>You come out ahead</a:t>
             </a:r>
           </a:p>
@@ -8053,7 +8139,7 @@
               <a:buAutoNum type="alphaUcPeriod"/>
             </a:pPr>
             <a:r>
-              <a:rPr lang="en-US" sz="4000"/>
+              <a:rPr lang="en-US" sz="4000" dirty="0"/>
               <a:t>The deal stays fair</a:t>
             </a:r>
           </a:p>
@@ -8066,10 +8152,10 @@
               <a:buAutoNum type="alphaUcPeriod"/>
             </a:pPr>
             <a:r>
-              <a:rPr lang="en-US" sz="4000"/>
+              <a:rPr lang="en-US" sz="4000" dirty="0"/>
               <a:t>I come out ahead</a:t>
             </a:r>
-            <a:endParaRPr lang="en-US" sz="4000">
+            <a:endParaRPr lang="en-US" sz="4000" dirty="0">
               <a:solidFill>
                 <a:srgbClr val="FF00FF"/>
               </a:solidFill>
@@ -8234,7 +8320,7 @@
                                         <p:tgtEl>
                                           <p:spTgt spid="134147">
                                             <p:txEl>
-                                              <p:pRg st="6" end="6"/>
+                                              <p:pRg st="4" end="4"/>
                                             </p:txEl>
                                           </p:spTgt>
                                         </p:tgtEl>
@@ -8252,7 +8338,7 @@
                                         <p:tgtEl>
                                           <p:spTgt spid="134147">
                                             <p:txEl>
-                                              <p:pRg st="6" end="6"/>
+                                              <p:pRg st="4" end="4"/>
                                             </p:txEl>
                                           </p:spTgt>
                                         </p:tgtEl>
@@ -8295,7 +8381,7 @@
                                         <p:tgtEl>
                                           <p:spTgt spid="134147">
                                             <p:txEl>
-                                              <p:pRg st="4" end="4"/>
+                                              <p:pRg st="5" end="5"/>
                                             </p:txEl>
                                           </p:spTgt>
                                         </p:tgtEl>
@@ -8313,7 +8399,7 @@
                                         <p:tgtEl>
                                           <p:spTgt spid="134147">
                                             <p:txEl>
-                                              <p:pRg st="4" end="4"/>
+                                              <p:pRg st="5" end="5"/>
                                             </p:txEl>
                                           </p:spTgt>
                                         </p:tgtEl>
@@ -8356,7 +8442,7 @@
                                         <p:tgtEl>
                                           <p:spTgt spid="134147">
                                             <p:txEl>
-                                              <p:pRg st="5" end="5"/>
+                                              <p:pRg st="6" end="6"/>
                                             </p:txEl>
                                           </p:spTgt>
                                         </p:tgtEl>
@@ -8374,7 +8460,7 @@
                                         <p:tgtEl>
                                           <p:spTgt spid="134147">
                                             <p:txEl>
-                                              <p:pRg st="5" end="5"/>
+                                              <p:pRg st="6" end="6"/>
                                             </p:txEl>
                                           </p:spTgt>
                                         </p:tgtEl>
@@ -8531,7 +8617,7 @@
           <a:graphicData uri="http://schemas.openxmlformats.org/presentationml/2006/ole">
             <mc:AlternateContent xmlns:mc="http://schemas.openxmlformats.org/markup-compatibility/2006">
               <mc:Choice xmlns:v="urn:schemas-microsoft-com:vml" Requires="v">
-                <p:oleObj spid="_x0000_s122955" name="Equation" r:id="rId4" imgW="1803240" imgH="482400" progId="Equation.DSMT4">
+                <p:oleObj spid="_x0000_s122962" name="Equation" r:id="rId4" imgW="1803240" imgH="482400" progId="Equation.DSMT4">
                   <p:embed/>
                 </p:oleObj>
               </mc:Choice>
@@ -8626,7 +8712,7 @@
           <a:graphicData uri="http://schemas.openxmlformats.org/presentationml/2006/ole">
             <mc:AlternateContent xmlns:mc="http://schemas.openxmlformats.org/markup-compatibility/2006">
               <mc:Choice xmlns:v="urn:schemas-microsoft-com:vml" Requires="v">
-                <p:oleObj spid="_x0000_s122956" name="Equation" r:id="rId6" imgW="2145960" imgH="482400" progId="Equation.DSMT4">
+                <p:oleObj spid="_x0000_s122963" name="Equation" r:id="rId6" imgW="2145960" imgH="482400" progId="Equation.DSMT4">
                   <p:embed/>
                 </p:oleObj>
               </mc:Choice>
@@ -8916,7 +9002,7 @@
           <a:graphicData uri="http://schemas.openxmlformats.org/presentationml/2006/ole">
             <mc:AlternateContent xmlns:mc="http://schemas.openxmlformats.org/markup-compatibility/2006">
               <mc:Choice xmlns:v="urn:schemas-microsoft-com:vml" Requires="v">
-                <p:oleObj spid="_x0000_s128057" name="Equation" r:id="rId4" imgW="1765080" imgH="444240" progId="Equation.DSMT4">
+                <p:oleObj spid="_x0000_s128061" name="Equation" r:id="rId4" imgW="1765080" imgH="444240" progId="Equation.DSMT4">
                   <p:embed/>
                 </p:oleObj>
               </mc:Choice>
@@ -9088,7 +9174,7 @@
           <a:graphicData uri="http://schemas.openxmlformats.org/presentationml/2006/ole">
             <mc:AlternateContent xmlns:mc="http://schemas.openxmlformats.org/markup-compatibility/2006">
               <mc:Choice xmlns:v="urn:schemas-microsoft-com:vml" Requires="v">
-                <p:oleObj spid="_x0000_s27723" name="Equation" r:id="rId4" imgW="1549400" imgH="292100" progId="Equation.DSMT4">
+                <p:oleObj spid="_x0000_s27730" name="Equation" r:id="rId4" imgW="1549400" imgH="292100" progId="Equation.DSMT4">
                   <p:embed/>
                 </p:oleObj>
               </mc:Choice>
@@ -9154,7 +9240,7 @@
           <a:graphicData uri="http://schemas.openxmlformats.org/presentationml/2006/ole">
             <mc:AlternateContent xmlns:mc="http://schemas.openxmlformats.org/markup-compatibility/2006">
               <mc:Choice xmlns:v="urn:schemas-microsoft-com:vml" Requires="v">
-                <p:oleObj spid="_x0000_s27724" name="Equation" r:id="rId6" imgW="1879600" imgH="292100" progId="Equation.DSMT4">
+                <p:oleObj spid="_x0000_s27731" name="Equation" r:id="rId6" imgW="1879600" imgH="292100" progId="Equation.DSMT4">
                   <p:embed/>
                 </p:oleObj>
               </mc:Choice>
@@ -9358,7 +9444,7 @@
           <a:graphicData uri="http://schemas.openxmlformats.org/presentationml/2006/ole">
             <mc:AlternateContent xmlns:mc="http://schemas.openxmlformats.org/markup-compatibility/2006">
               <mc:Choice xmlns:v="urn:schemas-microsoft-com:vml" Requires="v">
-                <p:oleObj spid="_x0000_s1068" name="Equation" r:id="rId4" imgW="1549400" imgH="292100" progId="Equation.DSMT4">
+                <p:oleObj spid="_x0000_s1075" name="Equation" r:id="rId4" imgW="1549400" imgH="292100" progId="Equation.DSMT4">
                   <p:embed/>
                 </p:oleObj>
               </mc:Choice>
@@ -9424,7 +9510,7 @@
           <a:graphicData uri="http://schemas.openxmlformats.org/presentationml/2006/ole">
             <mc:AlternateContent xmlns:mc="http://schemas.openxmlformats.org/markup-compatibility/2006">
               <mc:Choice xmlns:v="urn:schemas-microsoft-com:vml" Requires="v">
-                <p:oleObj spid="_x0000_s1069" name="Equation" r:id="rId6" imgW="1955800" imgH="292100" progId="Equation.DSMT4">
+                <p:oleObj spid="_x0000_s1076" name="Equation" r:id="rId6" imgW="1955800" imgH="292100" progId="Equation.DSMT4">
                   <p:embed/>
                 </p:oleObj>
               </mc:Choice>
@@ -9557,7 +9643,7 @@
           <a:graphicData uri="http://schemas.openxmlformats.org/presentationml/2006/ole">
             <mc:AlternateContent xmlns:mc="http://schemas.openxmlformats.org/markup-compatibility/2006">
               <mc:Choice xmlns:v="urn:schemas-microsoft-com:vml" Requires="v">
-                <p:oleObj spid="_x0000_s135216" name="Equation" r:id="rId4" imgW="1549400" imgH="292100" progId="Equation.DSMT4">
+                <p:oleObj spid="_x0000_s135223" name="Equation" r:id="rId4" imgW="1549400" imgH="292100" progId="Equation.DSMT4">
                   <p:embed/>
                 </p:oleObj>
               </mc:Choice>
@@ -9623,7 +9709,7 @@
           <a:graphicData uri="http://schemas.openxmlformats.org/presentationml/2006/ole">
             <mc:AlternateContent xmlns:mc="http://schemas.openxmlformats.org/markup-compatibility/2006">
               <mc:Choice xmlns:v="urn:schemas-microsoft-com:vml" Requires="v">
-                <p:oleObj spid="_x0000_s135217" name="Equation" r:id="rId6" imgW="2032000" imgH="292100" progId="Equation.DSMT4">
+                <p:oleObj spid="_x0000_s135224" name="Equation" r:id="rId6" imgW="2032000" imgH="292100" progId="Equation.DSMT4">
                   <p:embed/>
                 </p:oleObj>
               </mc:Choice>
@@ -9851,13 +9937,13 @@
   <p:clrMapOvr>
     <a:masterClrMapping/>
   </p:clrMapOvr>
-  <mc:AlternateContent xmlns:mc="http://schemas.openxmlformats.org/markup-compatibility/2006">
-    <mc:Choice xmlns:p14="http://schemas.microsoft.com/office/powerpoint/2010/main" Requires="p14">
+  <mc:AlternateContent xmlns:mc="http://schemas.openxmlformats.org/markup-compatibility/2006" xmlns:p14="http://schemas.microsoft.com/office/powerpoint/2010/main">
+    <mc:Choice Requires="p14">
       <p:transition spd="med" p14:dur="700" advClick="0">
         <p:fade/>
       </p:transition>
     </mc:Choice>
-    <mc:Fallback>
+    <mc:Fallback xmlns="">
       <p:transition xmlns:p14="http://schemas.microsoft.com/office/powerpoint/2010/main" spd="med" advClick="0">
         <p:fade/>
       </p:transition>
@@ -9875,9 +9961,6 @@
                     <p:cTn id="3" fill="hold">
                       <p:stCondLst>
                         <p:cond delay="indefinite"/>
-                        <p:cond evt="onBegin" delay="0">
-                          <p:tn val="2"/>
-                        </p:cond>
                       </p:stCondLst>
                       <p:childTnLst>
                         <p:par>
@@ -9887,7 +9970,7 @@
                             </p:stCondLst>
                             <p:childTnLst>
                               <p:par>
-                                <p:cTn id="5" presetID="22" presetClass="entr" presetSubtype="1" fill="hold" nodeType="afterEffect">
+                                <p:cTn id="5" presetID="22" presetClass="entr" presetSubtype="1" fill="hold" nodeType="clickEffect">
                                   <p:stCondLst>
                                     <p:cond delay="0"/>
                                   </p:stCondLst>
@@ -10018,7 +10101,7 @@
           <a:graphicData uri="http://schemas.openxmlformats.org/presentationml/2006/ole">
             <mc:AlternateContent xmlns:mc="http://schemas.openxmlformats.org/markup-compatibility/2006">
               <mc:Choice xmlns:v="urn:schemas-microsoft-com:vml" Requires="v">
-                <p:oleObj spid="_x0000_s136235" name="Equation" r:id="rId4" imgW="1549400" imgH="292100" progId="Equation.DSMT4">
+                <p:oleObj spid="_x0000_s136242" name="Equation" r:id="rId4" imgW="1549400" imgH="292100" progId="Equation.DSMT4">
                   <p:embed/>
                 </p:oleObj>
               </mc:Choice>
@@ -10084,7 +10167,7 @@
           <a:graphicData uri="http://schemas.openxmlformats.org/presentationml/2006/ole">
             <mc:AlternateContent xmlns:mc="http://schemas.openxmlformats.org/markup-compatibility/2006">
               <mc:Choice xmlns:v="urn:schemas-microsoft-com:vml" Requires="v">
-                <p:oleObj spid="_x0000_s136236" name="Equation" r:id="rId6" imgW="2032000" imgH="292100" progId="Equation.DSMT4">
+                <p:oleObj spid="_x0000_s136243" name="Equation" r:id="rId6" imgW="2032000" imgH="292100" progId="Equation.DSMT4">
                   <p:embed/>
                 </p:oleObj>
               </mc:Choice>
@@ -10697,7 +10780,7 @@
           <a:graphicData uri="http://schemas.openxmlformats.org/presentationml/2006/ole">
             <mc:AlternateContent xmlns:mc="http://schemas.openxmlformats.org/markup-compatibility/2006">
               <mc:Choice xmlns:v="urn:schemas-microsoft-com:vml" Requires="v">
-                <p:oleObj spid="_x0000_s144402" name="Equation" r:id="rId4" imgW="762000" imgH="292100" progId="Equation.DSMT4">
+                <p:oleObj spid="_x0000_s144406" name="Equation" r:id="rId4" imgW="762000" imgH="292100" progId="Equation.DSMT4">
                   <p:embed/>
                 </p:oleObj>
               </mc:Choice>
@@ -10909,13 +10992,13 @@
   <p:clrMapOvr>
     <a:masterClrMapping/>
   </p:clrMapOvr>
-  <mc:AlternateContent xmlns:mc="http://schemas.openxmlformats.org/markup-compatibility/2006">
-    <mc:Choice xmlns:p14="http://schemas.microsoft.com/office/powerpoint/2010/main" Requires="p14">
+  <mc:AlternateContent xmlns:mc="http://schemas.openxmlformats.org/markup-compatibility/2006" xmlns:p14="http://schemas.microsoft.com/office/powerpoint/2010/main">
+    <mc:Choice Requires="p14">
       <p:transition spd="med" p14:dur="700" advClick="0">
         <p:fade/>
       </p:transition>
     </mc:Choice>
-    <mc:Fallback>
+    <mc:Fallback xmlns="">
       <p:transition xmlns:p14="http://schemas.microsoft.com/office/powerpoint/2010/main" spd="med" advClick="0">
         <p:fade/>
       </p:transition>
@@ -11088,7 +11171,7 @@
           <a:graphicData uri="http://schemas.openxmlformats.org/presentationml/2006/ole">
             <mc:AlternateContent xmlns:mc="http://schemas.openxmlformats.org/markup-compatibility/2006">
               <mc:Choice xmlns:v="urn:schemas-microsoft-com:vml" Requires="v">
-                <p:oleObj spid="_x0000_s143402" name="Equation" r:id="rId4" imgW="762000" imgH="292100" progId="Equation.DSMT4">
+                <p:oleObj spid="_x0000_s143412" name="Equation" r:id="rId4" imgW="762000" imgH="292100" progId="Equation.DSMT4">
                   <p:embed/>
                 </p:oleObj>
               </mc:Choice>
@@ -11266,7 +11349,7 @@
           <a:graphicData uri="http://schemas.openxmlformats.org/presentationml/2006/ole">
             <mc:AlternateContent xmlns:mc="http://schemas.openxmlformats.org/markup-compatibility/2006">
               <mc:Choice xmlns:v="urn:schemas-microsoft-com:vml" Requires="v">
-                <p:oleObj spid="_x0000_s143403" name="Equation" r:id="rId6" imgW="127000" imgH="190500" progId="Equation.DSMT4">
+                <p:oleObj spid="_x0000_s143413" name="Equation" r:id="rId6" imgW="127000" imgH="190500" progId="Equation.DSMT4">
                   <p:embed/>
                 </p:oleObj>
               </mc:Choice>
@@ -11388,7 +11471,7 @@
           <a:graphicData uri="http://schemas.openxmlformats.org/presentationml/2006/ole">
             <mc:AlternateContent xmlns:mc="http://schemas.openxmlformats.org/markup-compatibility/2006">
               <mc:Choice xmlns:v="urn:schemas-microsoft-com:vml" Requires="v">
-                <p:oleObj spid="_x0000_s143404" name="Equation" r:id="rId8" imgW="901700" imgH="469900" progId="Equation.DSMT4">
+                <p:oleObj spid="_x0000_s143414" name="Equation" r:id="rId8" imgW="901700" imgH="469900" progId="Equation.DSMT4">
                   <p:embed/>
                 </p:oleObj>
               </mc:Choice>
@@ -11726,7 +11809,7 @@
           <a:graphicData uri="http://schemas.openxmlformats.org/presentationml/2006/ole">
             <mc:AlternateContent xmlns:mc="http://schemas.openxmlformats.org/markup-compatibility/2006">
               <mc:Choice xmlns:v="urn:schemas-microsoft-com:vml" Requires="v">
-                <p:oleObj spid="_x0000_s114766" name="Equation" r:id="rId4" imgW="2184400" imgH="520700" progId="Equation.DSMT4">
+                <p:oleObj spid="_x0000_s114773" name="Equation" r:id="rId4" imgW="2184400" imgH="520700" progId="Equation.DSMT4">
                   <p:embed/>
                 </p:oleObj>
               </mc:Choice>
@@ -11906,7 +11989,7 @@
           <a:graphicData uri="http://schemas.openxmlformats.org/presentationml/2006/ole">
             <mc:AlternateContent xmlns:mc="http://schemas.openxmlformats.org/markup-compatibility/2006">
               <mc:Choice xmlns:v="urn:schemas-microsoft-com:vml" Requires="v">
-                <p:oleObj spid="_x0000_s114767" name="Equation" r:id="rId6" imgW="939600" imgH="457200" progId="Equation.DSMT4">
+                <p:oleObj spid="_x0000_s114774" name="Equation" r:id="rId6" imgW="939600" imgH="457200" progId="Equation.DSMT4">
                   <p:embed/>
                 </p:oleObj>
               </mc:Choice>
@@ -12195,7 +12278,7 @@
           <a:graphicData uri="http://schemas.openxmlformats.org/presentationml/2006/ole">
             <mc:AlternateContent xmlns:mc="http://schemas.openxmlformats.org/markup-compatibility/2006">
               <mc:Choice xmlns:v="urn:schemas-microsoft-com:vml" Requires="v">
-                <p:oleObj spid="_x0000_s118856" name="Equation" r:id="rId4" imgW="1955520" imgH="457200" progId="Equation.DSMT4">
+                <p:oleObj spid="_x0000_s118863" name="Equation" r:id="rId4" imgW="1955520" imgH="457200" progId="Equation.DSMT4">
                   <p:embed/>
                 </p:oleObj>
               </mc:Choice>
@@ -12290,7 +12373,7 @@
           <a:graphicData uri="http://schemas.openxmlformats.org/presentationml/2006/ole">
             <mc:AlternateContent xmlns:mc="http://schemas.openxmlformats.org/markup-compatibility/2006">
               <mc:Choice xmlns:v="urn:schemas-microsoft-com:vml" Requires="v">
-                <p:oleObj spid="_x0000_s118857" name="Equation" r:id="rId6" imgW="939600" imgH="457200" progId="Equation.DSMT4">
+                <p:oleObj spid="_x0000_s118864" name="Equation" r:id="rId6" imgW="939600" imgH="457200" progId="Equation.DSMT4">
                   <p:embed/>
                 </p:oleObj>
               </mc:Choice>
